--- a/Power_point_presentation/NASA Presentation.pptx
+++ b/Power_point_presentation/NASA Presentation.pptx
@@ -18,20 +18,16 @@
     <p:sldId id="291" r:id="rId12"/>
     <p:sldId id="292" r:id="rId13"/>
     <p:sldId id="284" r:id="rId14"/>
-    <p:sldId id="259" r:id="rId15"/>
-    <p:sldId id="261" r:id="rId16"/>
-    <p:sldId id="266" r:id="rId17"/>
-    <p:sldId id="262" r:id="rId18"/>
-    <p:sldId id="263" r:id="rId19"/>
-    <p:sldId id="276" r:id="rId20"/>
-    <p:sldId id="285" r:id="rId21"/>
-    <p:sldId id="286" r:id="rId22"/>
-    <p:sldId id="287" r:id="rId23"/>
-    <p:sldId id="288" r:id="rId24"/>
-    <p:sldId id="289" r:id="rId25"/>
-    <p:sldId id="268" r:id="rId26"/>
-    <p:sldId id="274" r:id="rId27"/>
-    <p:sldId id="275" r:id="rId28"/>
+    <p:sldId id="262" r:id="rId15"/>
+    <p:sldId id="263" r:id="rId16"/>
+    <p:sldId id="276" r:id="rId17"/>
+    <p:sldId id="285" r:id="rId18"/>
+    <p:sldId id="286" r:id="rId19"/>
+    <p:sldId id="287" r:id="rId20"/>
+    <p:sldId id="289" r:id="rId21"/>
+    <p:sldId id="268" r:id="rId22"/>
+    <p:sldId id="274" r:id="rId23"/>
+    <p:sldId id="275" r:id="rId24"/>
   </p:sldIdLst>
   <p:sldSz cx="12192000" cy="6858000"/>
   <p:notesSz cx="6858000" cy="9144000"/>
@@ -148,16 +144,12 @@
             <p14:sldId id="291"/>
             <p14:sldId id="292"/>
             <p14:sldId id="284"/>
-            <p14:sldId id="259"/>
-            <p14:sldId id="261"/>
-            <p14:sldId id="266"/>
             <p14:sldId id="262"/>
             <p14:sldId id="263"/>
             <p14:sldId id="276"/>
             <p14:sldId id="285"/>
             <p14:sldId id="286"/>
             <p14:sldId id="287"/>
-            <p14:sldId id="288"/>
             <p14:sldId id="289"/>
             <p14:sldId id="268"/>
             <p14:sldId id="274"/>
@@ -5434,7 +5426,7 @@
           <p:cNvPr id="2" name="Title 1">
             <a:extLst>
               <a:ext uri="{FF2B5EF4-FFF2-40B4-BE49-F238E27FC236}">
-                <a16:creationId xmlns:a16="http://schemas.microsoft.com/office/drawing/2014/main" id="{808BFB99-CA9B-8C87-BE11-D1F9CFBFC953}"/>
+                <a16:creationId xmlns:a16="http://schemas.microsoft.com/office/drawing/2014/main" id="{12B8A53A-A3FB-80E9-11EB-2986020F1C44}"/>
               </a:ext>
             </a:extLst>
           </p:cNvPr>
@@ -5457,7 +5449,7 @@
                   <a:schemeClr val="bg1"/>
                 </a:solidFill>
               </a:rPr>
-              <a:t>Assumptions/Predictions</a:t>
+              <a:t>Correlations</a:t>
             </a:r>
           </a:p>
         </p:txBody>
@@ -5467,7 +5459,7 @@
           <p:cNvPr id="3" name="Content Placeholder 2">
             <a:extLst>
               <a:ext uri="{FF2B5EF4-FFF2-40B4-BE49-F238E27FC236}">
-                <a16:creationId xmlns:a16="http://schemas.microsoft.com/office/drawing/2014/main" id="{2B896B2A-8FDF-966E-9FF2-52D51EEED60F}"/>
+                <a16:creationId xmlns:a16="http://schemas.microsoft.com/office/drawing/2014/main" id="{BAD1211E-0C05-4BB3-7B9A-68C464A14FB5}"/>
               </a:ext>
             </a:extLst>
           </p:cNvPr>
@@ -5483,18 +5475,14 @@
           <a:bodyPr/>
           <a:lstStyle/>
           <a:p>
-            <a:pPr marL="342900" indent="-342900">
-              <a:buFont typeface="Wingdings" panose="05000000000000000000" pitchFamily="2" charset="2"/>
-              <a:buChar char="Ø"/>
-            </a:pPr>
-            <a:endParaRPr lang="en-US" dirty="0"/>
+            <a:endParaRPr lang="en-US"/>
           </a:p>
         </p:txBody>
       </p:sp>
     </p:spTree>
     <p:extLst>
       <p:ext uri="{BB962C8B-B14F-4D97-AF65-F5344CB8AC3E}">
-        <p14:creationId xmlns:p14="http://schemas.microsoft.com/office/powerpoint/2010/main" val="3347042673"/>
+        <p14:creationId xmlns:p14="http://schemas.microsoft.com/office/powerpoint/2010/main" val="2218982866"/>
       </p:ext>
     </p:extLst>
   </p:cSld>
@@ -5540,7 +5528,7 @@
           <p:cNvPr id="2" name="Title 1">
             <a:extLst>
               <a:ext uri="{FF2B5EF4-FFF2-40B4-BE49-F238E27FC236}">
-                <a16:creationId xmlns:a16="http://schemas.microsoft.com/office/drawing/2014/main" id="{0B17CDBC-BDFD-1714-0FE6-B042F333489B}"/>
+                <a16:creationId xmlns:a16="http://schemas.microsoft.com/office/drawing/2014/main" id="{D13EC06F-E978-F4CF-C89D-38826F441642}"/>
               </a:ext>
             </a:extLst>
           </p:cNvPr>
@@ -5553,85 +5541,85 @@
         </p:nvSpPr>
         <p:spPr/>
         <p:txBody>
-          <a:bodyPr/>
-          <a:lstStyle/>
-          <a:p>
-            <a:pPr algn="ctr"/>
-            <a:r>
-              <a:rPr lang="en-US" dirty="0">
-                <a:solidFill>
-                  <a:schemeClr val="bg1"/>
-                </a:solidFill>
-              </a:rPr>
-              <a:t>Exploratory Analysis</a:t>
-            </a:r>
-          </a:p>
-        </p:txBody>
-      </p:sp>
-      <p:sp>
-        <p:nvSpPr>
-          <p:cNvPr id="3" name="Content Placeholder 2">
-            <a:extLst>
-              <a:ext uri="{FF2B5EF4-FFF2-40B4-BE49-F238E27FC236}">
-                <a16:creationId xmlns:a16="http://schemas.microsoft.com/office/drawing/2014/main" id="{C4A339B1-D86B-5FD8-6FC3-E257E4A526E5}"/>
-              </a:ext>
-            </a:extLst>
-          </p:cNvPr>
-          <p:cNvSpPr>
-            <a:spLocks noGrp="1"/>
-          </p:cNvSpPr>
-          <p:nvPr>
-            <p:ph sz="half" idx="1"/>
-          </p:nvPr>
-        </p:nvSpPr>
+          <a:bodyPr>
+            <a:normAutofit/>
+          </a:bodyPr>
+          <a:lstStyle/>
+          <a:p>
+            <a:endParaRPr lang="en-US" dirty="0">
+              <a:solidFill>
+                <a:schemeClr val="bg1"/>
+              </a:solidFill>
+            </a:endParaRPr>
+          </a:p>
+        </p:txBody>
+      </p:sp>
+      <p:pic>
+        <p:nvPicPr>
+          <p:cNvPr id="4" name="Content Placeholder 3">
+            <a:extLst>
+              <a:ext uri="{FF2B5EF4-FFF2-40B4-BE49-F238E27FC236}">
+                <a16:creationId xmlns:a16="http://schemas.microsoft.com/office/drawing/2014/main" id="{C6985800-8533-D986-6766-4675903B5845}"/>
+              </a:ext>
+            </a:extLst>
+          </p:cNvPr>
+          <p:cNvPicPr>
+            <a:picLocks noGrp="1" noChangeAspect="1"/>
+          </p:cNvPicPr>
+          <p:nvPr>
+            <p:ph idx="1"/>
+          </p:nvPr>
+        </p:nvPicPr>
+        <p:blipFill>
+          <a:blip r:embed="rId3"/>
+          <a:stretch>
+            <a:fillRect/>
+          </a:stretch>
+        </p:blipFill>
         <p:spPr>
-          <a:solidFill>
-            <a:schemeClr val="accent1">
-              <a:alpha val="35000"/>
-            </a:schemeClr>
-          </a:solidFill>
+          <a:xfrm>
+            <a:off x="1974014" y="151788"/>
+            <a:ext cx="8243971" cy="3382142"/>
+          </a:xfrm>
+          <a:prstGeom prst="rect">
+            <a:avLst/>
+          </a:prstGeom>
         </p:spPr>
-        <p:txBody>
-          <a:bodyPr/>
-          <a:lstStyle/>
-          <a:p>
-            <a:pPr marL="342900" indent="-342900">
-              <a:buFont typeface="Wingdings" panose="05000000000000000000" pitchFamily="2" charset="2"/>
-              <a:buChar char="Ø"/>
-            </a:pPr>
-            <a:endParaRPr lang="en-US" dirty="0"/>
-          </a:p>
-        </p:txBody>
-      </p:sp>
-      <p:sp>
-        <p:nvSpPr>
-          <p:cNvPr id="4" name="Content Placeholder 3">
-            <a:extLst>
-              <a:ext uri="{FF2B5EF4-FFF2-40B4-BE49-F238E27FC236}">
-                <a16:creationId xmlns:a16="http://schemas.microsoft.com/office/drawing/2014/main" id="{FDB1D616-5106-63B8-261E-A25B43A793BC}"/>
-              </a:ext>
-            </a:extLst>
-          </p:cNvPr>
-          <p:cNvSpPr>
-            <a:spLocks noGrp="1"/>
-          </p:cNvSpPr>
-          <p:nvPr>
-            <p:ph sz="half" idx="2"/>
-          </p:nvPr>
-        </p:nvSpPr>
-        <p:spPr/>
-        <p:txBody>
-          <a:bodyPr/>
-          <a:lstStyle/>
-          <a:p>
-            <a:endParaRPr lang="en-US"/>
-          </a:p>
-        </p:txBody>
-      </p:sp>
+      </p:pic>
+      <p:pic>
+        <p:nvPicPr>
+          <p:cNvPr id="5" name="Picture 4">
+            <a:extLst>
+              <a:ext uri="{FF2B5EF4-FFF2-40B4-BE49-F238E27FC236}">
+                <a16:creationId xmlns:a16="http://schemas.microsoft.com/office/drawing/2014/main" id="{4636061E-5A5A-D285-BFA4-1627CD42FA8D}"/>
+              </a:ext>
+            </a:extLst>
+          </p:cNvPr>
+          <p:cNvPicPr>
+            <a:picLocks noChangeAspect="1"/>
+          </p:cNvPicPr>
+          <p:nvPr/>
+        </p:nvPicPr>
+        <p:blipFill>
+          <a:blip r:embed="rId4"/>
+          <a:stretch>
+            <a:fillRect/>
+          </a:stretch>
+        </p:blipFill>
+        <p:spPr>
+          <a:xfrm>
+            <a:off x="1974014" y="3533930"/>
+            <a:ext cx="8243971" cy="3174540"/>
+          </a:xfrm>
+          <a:prstGeom prst="rect">
+            <a:avLst/>
+          </a:prstGeom>
+        </p:spPr>
+      </p:pic>
     </p:spTree>
     <p:extLst>
       <p:ext uri="{BB962C8B-B14F-4D97-AF65-F5344CB8AC3E}">
-        <p14:creationId xmlns:p14="http://schemas.microsoft.com/office/powerpoint/2010/main" val="2387057019"/>
+        <p14:creationId xmlns:p14="http://schemas.microsoft.com/office/powerpoint/2010/main" val="563400496"/>
       </p:ext>
     </p:extLst>
   </p:cSld>
@@ -5677,7 +5665,7 @@
           <p:cNvPr id="2" name="Title 1">
             <a:extLst>
               <a:ext uri="{FF2B5EF4-FFF2-40B4-BE49-F238E27FC236}">
-                <a16:creationId xmlns:a16="http://schemas.microsoft.com/office/drawing/2014/main" id="{FB283C08-D485-E4E8-71AB-D2C8D352BB86}"/>
+                <a16:creationId xmlns:a16="http://schemas.microsoft.com/office/drawing/2014/main" id="{B2C48065-551F-EEFD-9ED5-40FB4D14BED8}"/>
               </a:ext>
             </a:extLst>
           </p:cNvPr>
@@ -5693,72 +5681,45 @@
           <a:bodyPr/>
           <a:lstStyle/>
           <a:p>
-            <a:pPr algn="ctr"/>
-            <a:r>
-              <a:rPr lang="en-US" dirty="0">
-                <a:solidFill>
-                  <a:schemeClr val="bg1"/>
-                </a:solidFill>
-              </a:rPr>
-              <a:t>Variables</a:t>
-            </a:r>
-          </a:p>
-        </p:txBody>
-      </p:sp>
-      <p:sp>
-        <p:nvSpPr>
-          <p:cNvPr id="3" name="Content Placeholder 2">
-            <a:extLst>
-              <a:ext uri="{FF2B5EF4-FFF2-40B4-BE49-F238E27FC236}">
-                <a16:creationId xmlns:a16="http://schemas.microsoft.com/office/drawing/2014/main" id="{78F02601-AC00-DD5A-D78C-6B1480399CA5}"/>
-              </a:ext>
-            </a:extLst>
-          </p:cNvPr>
-          <p:cNvSpPr>
-            <a:spLocks noGrp="1"/>
-          </p:cNvSpPr>
-          <p:nvPr>
-            <p:ph sz="half" idx="1"/>
-          </p:nvPr>
-        </p:nvSpPr>
-        <p:spPr/>
-        <p:txBody>
-          <a:bodyPr/>
-          <a:lstStyle/>
-          <a:p>
-            <a:endParaRPr lang="en-US" dirty="0"/>
-          </a:p>
-        </p:txBody>
-      </p:sp>
-      <p:sp>
-        <p:nvSpPr>
+            <a:endParaRPr lang="en-US"/>
+          </a:p>
+        </p:txBody>
+      </p:sp>
+      <p:pic>
+        <p:nvPicPr>
           <p:cNvPr id="4" name="Content Placeholder 3">
             <a:extLst>
               <a:ext uri="{FF2B5EF4-FFF2-40B4-BE49-F238E27FC236}">
-                <a16:creationId xmlns:a16="http://schemas.microsoft.com/office/drawing/2014/main" id="{6528D1EE-8D8F-414E-9B56-9CE92E908AF4}"/>
-              </a:ext>
-            </a:extLst>
-          </p:cNvPr>
-          <p:cNvSpPr>
-            <a:spLocks noGrp="1"/>
-          </p:cNvSpPr>
-          <p:nvPr>
-            <p:ph sz="half" idx="2"/>
-          </p:nvPr>
-        </p:nvSpPr>
-        <p:spPr/>
-        <p:txBody>
-          <a:bodyPr/>
-          <a:lstStyle/>
-          <a:p>
-            <a:endParaRPr lang="en-US"/>
-          </a:p>
-        </p:txBody>
-      </p:sp>
+                <a16:creationId xmlns:a16="http://schemas.microsoft.com/office/drawing/2014/main" id="{88DDF459-671C-9124-43D9-B1ED4169D9AA}"/>
+              </a:ext>
+            </a:extLst>
+          </p:cNvPr>
+          <p:cNvPicPr>
+            <a:picLocks noGrp="1" noChangeAspect="1"/>
+          </p:cNvPicPr>
+          <p:nvPr>
+            <p:ph idx="1"/>
+          </p:nvPr>
+        </p:nvPicPr>
+        <p:blipFill rotWithShape="1">
+          <a:blip r:embed="rId3"/>
+          <a:srcRect r="732"/>
+          <a:stretch/>
+        </p:blipFill>
+        <p:spPr>
+          <a:xfrm>
+            <a:off x="538737" y="1067640"/>
+            <a:ext cx="11258963" cy="4722719"/>
+          </a:xfrm>
+          <a:prstGeom prst="rect">
+            <a:avLst/>
+          </a:prstGeom>
+        </p:spPr>
+      </p:pic>
     </p:spTree>
     <p:extLst>
       <p:ext uri="{BB962C8B-B14F-4D97-AF65-F5344CB8AC3E}">
-        <p14:creationId xmlns:p14="http://schemas.microsoft.com/office/powerpoint/2010/main" val="3984284896"/>
+        <p14:creationId xmlns:p14="http://schemas.microsoft.com/office/powerpoint/2010/main" val="898779600"/>
       </p:ext>
     </p:extLst>
   </p:cSld>
@@ -5804,7 +5765,7 @@
           <p:cNvPr id="2" name="Title 1">
             <a:extLst>
               <a:ext uri="{FF2B5EF4-FFF2-40B4-BE49-F238E27FC236}">
-                <a16:creationId xmlns:a16="http://schemas.microsoft.com/office/drawing/2014/main" id="{12B8A53A-A3FB-80E9-11EB-2986020F1C44}"/>
+                <a16:creationId xmlns:a16="http://schemas.microsoft.com/office/drawing/2014/main" id="{C7D02D7B-61ED-97E5-904A-59048DC62E7B}"/>
               </a:ext>
             </a:extLst>
           </p:cNvPr>
@@ -5815,19 +5776,23 @@
             <p:ph type="title"/>
           </p:nvPr>
         </p:nvSpPr>
-        <p:spPr/>
+        <p:spPr>
+          <a:xfrm>
+            <a:off x="989581" y="82510"/>
+            <a:ext cx="10134600" cy="1288489"/>
+          </a:xfrm>
+        </p:spPr>
         <p:txBody>
           <a:bodyPr/>
           <a:lstStyle/>
           <a:p>
-            <a:pPr algn="ctr"/>
-            <a:r>
-              <a:rPr lang="en-US" dirty="0">
-                <a:solidFill>
-                  <a:schemeClr val="bg1"/>
-                </a:solidFill>
-              </a:rPr>
-              <a:t>Correlations</a:t>
+            <a:r>
+              <a:rPr lang="en-US" dirty="0">
+                <a:solidFill>
+                  <a:schemeClr val="bg1"/>
+                </a:solidFill>
+              </a:rPr>
+              <a:t>Results: Hiring Rates between Males and Females in NASA</a:t>
             </a:r>
           </a:p>
         </p:txBody>
@@ -5837,7 +5802,7 @@
           <p:cNvPr id="3" name="Content Placeholder 2">
             <a:extLst>
               <a:ext uri="{FF2B5EF4-FFF2-40B4-BE49-F238E27FC236}">
-                <a16:creationId xmlns:a16="http://schemas.microsoft.com/office/drawing/2014/main" id="{BAD1211E-0C05-4BB3-7B9A-68C464A14FB5}"/>
+                <a16:creationId xmlns:a16="http://schemas.microsoft.com/office/drawing/2014/main" id="{EBEC6E50-BB81-8B19-603E-9B41D8CD6CBE}"/>
               </a:ext>
             </a:extLst>
           </p:cNvPr>
@@ -5848,19 +5813,100 @@
             <p:ph idx="1"/>
           </p:nvPr>
         </p:nvSpPr>
-        <p:spPr/>
-        <p:txBody>
-          <a:bodyPr/>
-          <a:lstStyle/>
-          <a:p>
-            <a:endParaRPr lang="en-US"/>
-          </a:p>
-        </p:txBody>
-      </p:sp>
+        <p:spPr>
+          <a:xfrm>
+            <a:off x="8263828" y="1736487"/>
+            <a:ext cx="3329777" cy="3969342"/>
+          </a:xfrm>
+        </p:spPr>
+        <p:txBody>
+          <a:bodyPr>
+            <a:normAutofit fontScale="85000" lnSpcReduction="10000"/>
+          </a:bodyPr>
+          <a:lstStyle/>
+          <a:p>
+            <a:r>
+              <a:rPr lang="en-US" dirty="0">
+                <a:solidFill>
+                  <a:schemeClr val="bg1"/>
+                </a:solidFill>
+              </a:rPr>
+              <a:t>When the NASA program was first started in 1959, it was only populated by males who had military background.</a:t>
+            </a:r>
+          </a:p>
+          <a:p>
+            <a:endParaRPr lang="en-US" dirty="0">
+              <a:solidFill>
+                <a:schemeClr val="bg1"/>
+              </a:solidFill>
+            </a:endParaRPr>
+          </a:p>
+          <a:p>
+            <a:r>
+              <a:rPr lang="en-US" dirty="0">
+                <a:solidFill>
+                  <a:schemeClr val="bg1"/>
+                </a:solidFill>
+              </a:rPr>
+              <a:t>It was not until 1978 that the first females were selected as astronaut candidates</a:t>
+            </a:r>
+          </a:p>
+          <a:p>
+            <a:endParaRPr lang="en-US" dirty="0">
+              <a:solidFill>
+                <a:schemeClr val="bg1"/>
+              </a:solidFill>
+            </a:endParaRPr>
+          </a:p>
+          <a:p>
+            <a:r>
+              <a:rPr lang="en-US" dirty="0">
+                <a:solidFill>
+                  <a:schemeClr val="bg1"/>
+                </a:solidFill>
+              </a:rPr>
+              <a:t>Every year from then on,  the intake of females into the program are always less then those of male accepted into the NASA program</a:t>
+            </a:r>
+          </a:p>
+          <a:p>
+            <a:endParaRPr lang="en-US" dirty="0"/>
+          </a:p>
+        </p:txBody>
+      </p:sp>
+      <p:pic>
+        <p:nvPicPr>
+          <p:cNvPr id="5" name="Picture 4">
+            <a:extLst>
+              <a:ext uri="{FF2B5EF4-FFF2-40B4-BE49-F238E27FC236}">
+                <a16:creationId xmlns:a16="http://schemas.microsoft.com/office/drawing/2014/main" id="{B6855DBD-D0B7-F819-CA9B-10C285FEB969}"/>
+              </a:ext>
+            </a:extLst>
+          </p:cNvPr>
+          <p:cNvPicPr>
+            <a:picLocks noChangeAspect="1"/>
+          </p:cNvPicPr>
+          <p:nvPr/>
+        </p:nvPicPr>
+        <p:blipFill>
+          <a:blip r:embed="rId3"/>
+          <a:stretch>
+            <a:fillRect/>
+          </a:stretch>
+        </p:blipFill>
+        <p:spPr>
+          <a:xfrm>
+            <a:off x="1085544" y="1610746"/>
+            <a:ext cx="6395258" cy="3779848"/>
+          </a:xfrm>
+          <a:prstGeom prst="rect">
+            <a:avLst/>
+          </a:prstGeom>
+        </p:spPr>
+      </p:pic>
     </p:spTree>
     <p:extLst>
       <p:ext uri="{BB962C8B-B14F-4D97-AF65-F5344CB8AC3E}">
-        <p14:creationId xmlns:p14="http://schemas.microsoft.com/office/powerpoint/2010/main" val="2218982866"/>
+        <p14:creationId xmlns:p14="http://schemas.microsoft.com/office/powerpoint/2010/main" val="2351277852"/>
       </p:ext>
     </p:extLst>
   </p:cSld>
@@ -5906,7 +5952,7 @@
           <p:cNvPr id="2" name="Title 1">
             <a:extLst>
               <a:ext uri="{FF2B5EF4-FFF2-40B4-BE49-F238E27FC236}">
-                <a16:creationId xmlns:a16="http://schemas.microsoft.com/office/drawing/2014/main" id="{D13EC06F-E978-F4CF-C89D-38826F441642}"/>
+                <a16:creationId xmlns:a16="http://schemas.microsoft.com/office/drawing/2014/main" id="{08831C96-6067-EDAF-56CF-8022B1C2CB67}"/>
               </a:ext>
             </a:extLst>
           </p:cNvPr>
@@ -5917,36 +5963,86 @@
             <p:ph type="title"/>
           </p:nvPr>
         </p:nvSpPr>
-        <p:spPr/>
+        <p:spPr>
+          <a:xfrm>
+            <a:off x="1400328" y="122450"/>
+            <a:ext cx="10134600" cy="1288489"/>
+          </a:xfrm>
+        </p:spPr>
         <p:txBody>
           <a:bodyPr>
-            <a:normAutofit/>
+            <a:normAutofit fontScale="90000"/>
           </a:bodyPr>
           <a:lstStyle/>
           <a:p>
-            <a:endParaRPr lang="en-US" dirty="0">
-              <a:solidFill>
-                <a:schemeClr val="bg1"/>
-              </a:solidFill>
-            </a:endParaRPr>
+            <a:r>
+              <a:rPr lang="en-US" dirty="0">
+                <a:solidFill>
+                  <a:schemeClr val="bg1"/>
+                </a:solidFill>
+              </a:rPr>
+              <a:t>Results: Ratio of males to females that are sent on space missions</a:t>
+            </a:r>
+            <a:br>
+              <a:rPr lang="en-US" dirty="0"/>
+            </a:br>
+            <a:endParaRPr lang="en-US" dirty="0"/>
+          </a:p>
+        </p:txBody>
+      </p:sp>
+      <p:sp>
+        <p:nvSpPr>
+          <p:cNvPr id="3" name="Content Placeholder 2">
+            <a:extLst>
+              <a:ext uri="{FF2B5EF4-FFF2-40B4-BE49-F238E27FC236}">
+                <a16:creationId xmlns:a16="http://schemas.microsoft.com/office/drawing/2014/main" id="{2CDDB2AF-7FF2-CB03-720A-464F05008A7E}"/>
+              </a:ext>
+            </a:extLst>
+          </p:cNvPr>
+          <p:cNvSpPr>
+            <a:spLocks noGrp="1"/>
+          </p:cNvSpPr>
+          <p:nvPr>
+            <p:ph idx="1"/>
+          </p:nvPr>
+        </p:nvSpPr>
+        <p:spPr>
+          <a:xfrm>
+            <a:off x="1028700" y="2161903"/>
+            <a:ext cx="3289028" cy="3969342"/>
+          </a:xfrm>
+        </p:spPr>
+        <p:txBody>
+          <a:bodyPr/>
+          <a:lstStyle/>
+          <a:p>
+            <a:r>
+              <a:rPr lang="en-US" dirty="0">
+                <a:solidFill>
+                  <a:schemeClr val="bg1"/>
+                </a:solidFill>
+              </a:rPr>
+              <a:t>While Males had a greater number of collective hours on Space flights and Space Walks, females had a higher average of individual hours compared to number of females who were sent on missions! </a:t>
+            </a:r>
+          </a:p>
+          <a:p>
+            <a:endParaRPr lang="en-US" dirty="0"/>
           </a:p>
         </p:txBody>
       </p:sp>
       <p:pic>
         <p:nvPicPr>
-          <p:cNvPr id="4" name="Content Placeholder 3">
-            <a:extLst>
-              <a:ext uri="{FF2B5EF4-FFF2-40B4-BE49-F238E27FC236}">
-                <a16:creationId xmlns:a16="http://schemas.microsoft.com/office/drawing/2014/main" id="{C6985800-8533-D986-6766-4675903B5845}"/>
+          <p:cNvPr id="4" name="Picture 3">
+            <a:extLst>
+              <a:ext uri="{FF2B5EF4-FFF2-40B4-BE49-F238E27FC236}">
+                <a16:creationId xmlns:a16="http://schemas.microsoft.com/office/drawing/2014/main" id="{946318EE-C287-C750-3DE7-A91F5C13D75E}"/>
               </a:ext>
             </a:extLst>
           </p:cNvPr>
           <p:cNvPicPr>
-            <a:picLocks noGrp="1" noChangeAspect="1"/>
+            <a:picLocks noChangeAspect="1"/>
           </p:cNvPicPr>
-          <p:nvPr>
-            <p:ph idx="1"/>
-          </p:nvPr>
+          <p:nvPr/>
         </p:nvPicPr>
         <p:blipFill>
           <a:blip r:embed="rId3"/>
@@ -5956,38 +6052,8 @@
         </p:blipFill>
         <p:spPr>
           <a:xfrm>
-            <a:off x="1974014" y="151788"/>
-            <a:ext cx="8243971" cy="3382142"/>
-          </a:xfrm>
-          <a:prstGeom prst="rect">
-            <a:avLst/>
-          </a:prstGeom>
-        </p:spPr>
-      </p:pic>
-      <p:pic>
-        <p:nvPicPr>
-          <p:cNvPr id="5" name="Picture 4">
-            <a:extLst>
-              <a:ext uri="{FF2B5EF4-FFF2-40B4-BE49-F238E27FC236}">
-                <a16:creationId xmlns:a16="http://schemas.microsoft.com/office/drawing/2014/main" id="{4636061E-5A5A-D285-BFA4-1627CD42FA8D}"/>
-              </a:ext>
-            </a:extLst>
-          </p:cNvPr>
-          <p:cNvPicPr>
-            <a:picLocks noChangeAspect="1"/>
-          </p:cNvPicPr>
-          <p:nvPr/>
-        </p:nvPicPr>
-        <p:blipFill>
-          <a:blip r:embed="rId4"/>
-          <a:stretch>
-            <a:fillRect/>
-          </a:stretch>
-        </p:blipFill>
-        <p:spPr>
-          <a:xfrm>
-            <a:off x="1974014" y="3533930"/>
-            <a:ext cx="8243971" cy="3174540"/>
+            <a:off x="6014273" y="1455263"/>
+            <a:ext cx="3871296" cy="4761389"/>
           </a:xfrm>
           <a:prstGeom prst="rect">
             <a:avLst/>
@@ -5997,7 +6063,7 @@
     </p:spTree>
     <p:extLst>
       <p:ext uri="{BB962C8B-B14F-4D97-AF65-F5344CB8AC3E}">
-        <p14:creationId xmlns:p14="http://schemas.microsoft.com/office/powerpoint/2010/main" val="563400496"/>
+        <p14:creationId xmlns:p14="http://schemas.microsoft.com/office/powerpoint/2010/main" val="676065464"/>
       </p:ext>
     </p:extLst>
   </p:cSld>
@@ -6043,7 +6109,7 @@
           <p:cNvPr id="2" name="Title 1">
             <a:extLst>
               <a:ext uri="{FF2B5EF4-FFF2-40B4-BE49-F238E27FC236}">
-                <a16:creationId xmlns:a16="http://schemas.microsoft.com/office/drawing/2014/main" id="{B2C48065-551F-EEFD-9ED5-40FB4D14BED8}"/>
+                <a16:creationId xmlns:a16="http://schemas.microsoft.com/office/drawing/2014/main" id="{9BF3279E-09D4-483A-A4E3-5FE0FE86C772}"/>
               </a:ext>
             </a:extLst>
           </p:cNvPr>
@@ -6054,40 +6120,142 @@
             <p:ph type="title"/>
           </p:nvPr>
         </p:nvSpPr>
-        <p:spPr/>
+        <p:spPr>
+          <a:xfrm>
+            <a:off x="984691" y="-175831"/>
+            <a:ext cx="10134600" cy="1288489"/>
+          </a:xfrm>
+        </p:spPr>
         <p:txBody>
           <a:bodyPr/>
           <a:lstStyle/>
           <a:p>
-            <a:endParaRPr lang="en-US"/>
+            <a:pPr algn="ctr"/>
+            <a:r>
+              <a:rPr lang="en-US" dirty="0">
+                <a:solidFill>
+                  <a:schemeClr val="bg1"/>
+                </a:solidFill>
+              </a:rPr>
+              <a:t>Results: Exploratory Findings</a:t>
+            </a:r>
+          </a:p>
+        </p:txBody>
+      </p:sp>
+      <p:sp>
+        <p:nvSpPr>
+          <p:cNvPr id="3" name="Content Placeholder 2">
+            <a:extLst>
+              <a:ext uri="{FF2B5EF4-FFF2-40B4-BE49-F238E27FC236}">
+                <a16:creationId xmlns:a16="http://schemas.microsoft.com/office/drawing/2014/main" id="{1FF866EE-AC7E-E97A-9BB1-B8B84D031B80}"/>
+              </a:ext>
+            </a:extLst>
+          </p:cNvPr>
+          <p:cNvSpPr>
+            <a:spLocks noGrp="1"/>
+          </p:cNvSpPr>
+          <p:nvPr>
+            <p:ph idx="1"/>
+          </p:nvPr>
+        </p:nvSpPr>
+        <p:spPr>
+          <a:xfrm>
+            <a:off x="7238797" y="1580012"/>
+            <a:ext cx="4438141" cy="3969342"/>
+          </a:xfrm>
+        </p:spPr>
+        <p:txBody>
+          <a:bodyPr>
+            <a:normAutofit fontScale="85000" lnSpcReduction="10000"/>
+          </a:bodyPr>
+          <a:lstStyle/>
+          <a:p>
+            <a:r>
+              <a:rPr lang="en-US" dirty="0">
+                <a:solidFill>
+                  <a:schemeClr val="bg1"/>
+                </a:solidFill>
+              </a:rPr>
+              <a:t>The US produces the most astronauts with the Soviet Union and Russia producing the second and third most astronauts</a:t>
+            </a:r>
+          </a:p>
+          <a:p>
+            <a:endParaRPr lang="en-US" dirty="0">
+              <a:solidFill>
+                <a:schemeClr val="bg1"/>
+              </a:solidFill>
+            </a:endParaRPr>
+          </a:p>
+          <a:p>
+            <a:r>
+              <a:rPr lang="en-US" dirty="0">
+                <a:solidFill>
+                  <a:schemeClr val="bg1"/>
+                </a:solidFill>
+              </a:rPr>
+              <a:t>We also compared other countries hiring of female astronauts.</a:t>
+            </a:r>
+          </a:p>
+          <a:p>
+            <a:endParaRPr lang="en-US" dirty="0">
+              <a:solidFill>
+                <a:schemeClr val="bg1"/>
+              </a:solidFill>
+            </a:endParaRPr>
+          </a:p>
+          <a:p>
+            <a:r>
+              <a:rPr lang="en-US" dirty="0">
+                <a:solidFill>
+                  <a:schemeClr val="bg1"/>
+                </a:solidFill>
+              </a:rPr>
+              <a:t>Only 9 countries hired both male and female astronauts. </a:t>
+            </a:r>
+          </a:p>
+          <a:p>
+            <a:endParaRPr lang="en-US" dirty="0">
+              <a:solidFill>
+                <a:schemeClr val="bg1"/>
+              </a:solidFill>
+            </a:endParaRPr>
+          </a:p>
+          <a:p>
+            <a:r>
+              <a:rPr lang="en-US" dirty="0">
+                <a:solidFill>
+                  <a:schemeClr val="bg1"/>
+                </a:solidFill>
+              </a:rPr>
+              <a:t>2 countries (Iran and South Korea) only have females representing their countries as astronauts. </a:t>
+            </a:r>
           </a:p>
         </p:txBody>
       </p:sp>
       <p:pic>
         <p:nvPicPr>
-          <p:cNvPr id="4" name="Content Placeholder 3">
-            <a:extLst>
-              <a:ext uri="{FF2B5EF4-FFF2-40B4-BE49-F238E27FC236}">
-                <a16:creationId xmlns:a16="http://schemas.microsoft.com/office/drawing/2014/main" id="{88DDF459-671C-9124-43D9-B1ED4169D9AA}"/>
+          <p:cNvPr id="4" name="Picture 3">
+            <a:extLst>
+              <a:ext uri="{FF2B5EF4-FFF2-40B4-BE49-F238E27FC236}">
+                <a16:creationId xmlns:a16="http://schemas.microsoft.com/office/drawing/2014/main" id="{9013C1C3-518B-5594-0CD7-0E2D360B05B0}"/>
               </a:ext>
             </a:extLst>
           </p:cNvPr>
           <p:cNvPicPr>
-            <a:picLocks noGrp="1" noChangeAspect="1"/>
+            <a:picLocks noChangeAspect="1"/>
           </p:cNvPicPr>
-          <p:nvPr>
-            <p:ph idx="1"/>
-          </p:nvPr>
+          <p:nvPr/>
         </p:nvPicPr>
-        <p:blipFill rotWithShape="1">
+        <p:blipFill>
           <a:blip r:embed="rId3"/>
-          <a:srcRect r="732"/>
-          <a:stretch/>
+          <a:stretch>
+            <a:fillRect/>
+          </a:stretch>
         </p:blipFill>
         <p:spPr>
           <a:xfrm>
-            <a:off x="538737" y="1067640"/>
-            <a:ext cx="11258963" cy="4722719"/>
+            <a:off x="373832" y="1340679"/>
+            <a:ext cx="6761050" cy="4919898"/>
           </a:xfrm>
           <a:prstGeom prst="rect">
             <a:avLst/>
@@ -6097,7 +6265,7 @@
     </p:spTree>
     <p:extLst>
       <p:ext uri="{BB962C8B-B14F-4D97-AF65-F5344CB8AC3E}">
-        <p14:creationId xmlns:p14="http://schemas.microsoft.com/office/powerpoint/2010/main" val="898779600"/>
+        <p14:creationId xmlns:p14="http://schemas.microsoft.com/office/powerpoint/2010/main" val="2560570133"/>
       </p:ext>
     </p:extLst>
   </p:cSld>
@@ -6218,7 +6386,7 @@
         <p:spPr>
           <a:xfrm>
             <a:off x="4804268" y="2689412"/>
-            <a:ext cx="4503542" cy="369332"/>
+            <a:ext cx="4503542" cy="1754326"/>
           </a:xfrm>
           <a:prstGeom prst="rect">
             <a:avLst/>
@@ -6238,6 +6406,16 @@
                 </a:solidFill>
               </a:rPr>
               <a:t>BA Mechanical Engineering</a:t>
+            </a:r>
+          </a:p>
+          <a:p>
+            <a:r>
+              <a:rPr lang="en-US" dirty="0">
+                <a:solidFill>
+                  <a:schemeClr val="bg1"/>
+                </a:solidFill>
+              </a:rPr>
+              <a:t>Rachael is from NJ. She obtained her Bachelor’s degree from Drexel University in Mechanical Engineering in 2017. After three years in the semiconductor industry she transitioned to Data Science.</a:t>
             </a:r>
           </a:p>
         </p:txBody>
@@ -6291,7 +6469,7 @@
           <p:cNvPr id="2" name="Title 1">
             <a:extLst>
               <a:ext uri="{FF2B5EF4-FFF2-40B4-BE49-F238E27FC236}">
-                <a16:creationId xmlns:a16="http://schemas.microsoft.com/office/drawing/2014/main" id="{C7D02D7B-61ED-97E5-904A-59048DC62E7B}"/>
+                <a16:creationId xmlns:a16="http://schemas.microsoft.com/office/drawing/2014/main" id="{1C4AB8AB-A342-71C3-6504-7FE01EFAE137}"/>
               </a:ext>
             </a:extLst>
           </p:cNvPr>
@@ -6304,114 +6482,47 @@
         </p:nvSpPr>
         <p:spPr>
           <a:xfrm>
-            <a:off x="989581" y="82510"/>
+            <a:off x="1199844" y="873686"/>
             <a:ext cx="10134600" cy="1288489"/>
           </a:xfrm>
         </p:spPr>
         <p:txBody>
-          <a:bodyPr/>
-          <a:lstStyle/>
-          <a:p>
-            <a:r>
-              <a:rPr lang="en-US" dirty="0">
-                <a:solidFill>
-                  <a:schemeClr val="bg1"/>
-                </a:solidFill>
-              </a:rPr>
-              <a:t>Results: Hiring Rates between Males and Females in NASA</a:t>
-            </a:r>
-          </a:p>
-        </p:txBody>
-      </p:sp>
-      <p:sp>
-        <p:nvSpPr>
-          <p:cNvPr id="3" name="Content Placeholder 2">
-            <a:extLst>
-              <a:ext uri="{FF2B5EF4-FFF2-40B4-BE49-F238E27FC236}">
-                <a16:creationId xmlns:a16="http://schemas.microsoft.com/office/drawing/2014/main" id="{EBEC6E50-BB81-8B19-603E-9B41D8CD6CBE}"/>
-              </a:ext>
-            </a:extLst>
-          </p:cNvPr>
-          <p:cNvSpPr>
-            <a:spLocks noGrp="1"/>
-          </p:cNvSpPr>
-          <p:nvPr>
-            <p:ph idx="1"/>
-          </p:nvPr>
-        </p:nvSpPr>
-        <p:spPr>
-          <a:xfrm>
-            <a:off x="8263828" y="1736487"/>
-            <a:ext cx="3329777" cy="3969342"/>
-          </a:xfrm>
-        </p:spPr>
-        <p:txBody>
           <a:bodyPr>
-            <a:normAutofit fontScale="85000" lnSpcReduction="10000"/>
+            <a:normAutofit fontScale="90000"/>
           </a:bodyPr>
           <a:lstStyle/>
           <a:p>
-            <a:r>
-              <a:rPr lang="en-US" dirty="0">
-                <a:solidFill>
-                  <a:schemeClr val="bg1"/>
-                </a:solidFill>
-              </a:rPr>
-              <a:t>When the NASA program was first started in 1959, it was only populated by males who had military background.</a:t>
-            </a:r>
-          </a:p>
-          <a:p>
-            <a:endParaRPr lang="en-US" dirty="0">
-              <a:solidFill>
-                <a:schemeClr val="bg1"/>
-              </a:solidFill>
-            </a:endParaRPr>
-          </a:p>
-          <a:p>
-            <a:r>
-              <a:rPr lang="en-US" dirty="0">
-                <a:solidFill>
-                  <a:schemeClr val="bg1"/>
-                </a:solidFill>
-              </a:rPr>
-              <a:t>It was not until 1978 that the first females were selected as astronaut candidates</a:t>
-            </a:r>
-          </a:p>
-          <a:p>
-            <a:endParaRPr lang="en-US" dirty="0">
-              <a:solidFill>
-                <a:schemeClr val="bg1"/>
-              </a:solidFill>
-            </a:endParaRPr>
-          </a:p>
-          <a:p>
-            <a:r>
-              <a:rPr lang="en-US" dirty="0">
-                <a:solidFill>
-                  <a:schemeClr val="bg1"/>
-                </a:solidFill>
-              </a:rPr>
-              <a:t>Every year from then on,  the intake of females into the program are always less then those of male accepted into the NASA program</a:t>
-            </a:r>
-          </a:p>
-          <a:p>
+            <a:pPr algn="ctr"/>
+            <a:r>
+              <a:rPr lang="en-US" sz="2700" dirty="0">
+                <a:solidFill>
+                  <a:schemeClr val="bg1"/>
+                </a:solidFill>
+              </a:rPr>
+              <a:t>We also questioned if the budget had any influence on the hiring of males, and found that it had no significant influence on hiring practices at all. </a:t>
+            </a:r>
+            <a:br>
+              <a:rPr lang="en-US" dirty="0"/>
+            </a:br>
             <a:endParaRPr lang="en-US" dirty="0"/>
           </a:p>
         </p:txBody>
       </p:sp>
       <p:pic>
         <p:nvPicPr>
-          <p:cNvPr id="5" name="Picture 4">
-            <a:extLst>
-              <a:ext uri="{FF2B5EF4-FFF2-40B4-BE49-F238E27FC236}">
-                <a16:creationId xmlns:a16="http://schemas.microsoft.com/office/drawing/2014/main" id="{B6855DBD-D0B7-F819-CA9B-10C285FEB969}"/>
+          <p:cNvPr id="4" name="Content Placeholder 3">
+            <a:extLst>
+              <a:ext uri="{FF2B5EF4-FFF2-40B4-BE49-F238E27FC236}">
+                <a16:creationId xmlns:a16="http://schemas.microsoft.com/office/drawing/2014/main" id="{8169F20F-D4A4-9320-CDE6-20FBD988400E}"/>
               </a:ext>
             </a:extLst>
           </p:cNvPr>
           <p:cNvPicPr>
-            <a:picLocks noChangeAspect="1"/>
+            <a:picLocks noGrp="1" noChangeAspect="1"/>
           </p:cNvPicPr>
-          <p:nvPr/>
+          <p:nvPr>
+            <p:ph idx="1"/>
+          </p:nvPr>
         </p:nvPicPr>
         <p:blipFill>
           <a:blip r:embed="rId3"/>
@@ -6421,8 +6532,8 @@
         </p:blipFill>
         <p:spPr>
           <a:xfrm>
-            <a:off x="1085544" y="1610746"/>
-            <a:ext cx="6395258" cy="3779848"/>
+            <a:off x="1634955" y="2162175"/>
+            <a:ext cx="8922090" cy="3968750"/>
           </a:xfrm>
           <a:prstGeom prst="rect">
             <a:avLst/>
@@ -6432,7 +6543,7 @@
     </p:spTree>
     <p:extLst>
       <p:ext uri="{BB962C8B-B14F-4D97-AF65-F5344CB8AC3E}">
-        <p14:creationId xmlns:p14="http://schemas.microsoft.com/office/powerpoint/2010/main" val="2351277852"/>
+        <p14:creationId xmlns:p14="http://schemas.microsoft.com/office/powerpoint/2010/main" val="2007040970"/>
       </p:ext>
     </p:extLst>
   </p:cSld>
@@ -6478,7 +6589,7 @@
           <p:cNvPr id="2" name="Title 1">
             <a:extLst>
               <a:ext uri="{FF2B5EF4-FFF2-40B4-BE49-F238E27FC236}">
-                <a16:creationId xmlns:a16="http://schemas.microsoft.com/office/drawing/2014/main" id="{08831C96-6067-EDAF-56CF-8022B1C2CB67}"/>
+                <a16:creationId xmlns:a16="http://schemas.microsoft.com/office/drawing/2014/main" id="{C3A9CF40-2389-AF66-C3DF-670449179B0D}"/>
               </a:ext>
             </a:extLst>
           </p:cNvPr>
@@ -6489,30 +6600,20 @@
             <p:ph type="title"/>
           </p:nvPr>
         </p:nvSpPr>
-        <p:spPr>
-          <a:xfrm>
-            <a:off x="1400328" y="122450"/>
-            <a:ext cx="10134600" cy="1288489"/>
-          </a:xfrm>
-        </p:spPr>
-        <p:txBody>
-          <a:bodyPr>
-            <a:normAutofit fontScale="90000"/>
-          </a:bodyPr>
-          <a:lstStyle/>
-          <a:p>
-            <a:r>
-              <a:rPr lang="en-US" dirty="0">
-                <a:solidFill>
-                  <a:schemeClr val="bg1"/>
-                </a:solidFill>
-              </a:rPr>
-              <a:t>Results: Ratio of males to females that are sent on space missions</a:t>
-            </a:r>
-            <a:br>
-              <a:rPr lang="en-US" dirty="0"/>
-            </a:br>
-            <a:endParaRPr lang="en-US" dirty="0"/>
+        <p:spPr/>
+        <p:txBody>
+          <a:bodyPr/>
+          <a:lstStyle/>
+          <a:p>
+            <a:pPr algn="ctr"/>
+            <a:r>
+              <a:rPr lang="en-US" dirty="0">
+                <a:solidFill>
+                  <a:schemeClr val="bg1"/>
+                </a:solidFill>
+              </a:rPr>
+              <a:t>Summary</a:t>
+            </a:r>
           </a:p>
         </p:txBody>
       </p:sp>
@@ -6521,7 +6622,7 @@
           <p:cNvPr id="3" name="Content Placeholder 2">
             <a:extLst>
               <a:ext uri="{FF2B5EF4-FFF2-40B4-BE49-F238E27FC236}">
-                <a16:creationId xmlns:a16="http://schemas.microsoft.com/office/drawing/2014/main" id="{2CDDB2AF-7FF2-CB03-720A-464F05008A7E}"/>
+                <a16:creationId xmlns:a16="http://schemas.microsoft.com/office/drawing/2014/main" id="{E0B9DA3E-595F-D9F7-F487-C328DB636FF1}"/>
               </a:ext>
             </a:extLst>
           </p:cNvPr>
@@ -6532,64 +6633,19 @@
             <p:ph idx="1"/>
           </p:nvPr>
         </p:nvSpPr>
-        <p:spPr>
-          <a:xfrm>
-            <a:off x="1028700" y="2161903"/>
-            <a:ext cx="3289028" cy="3969342"/>
-          </a:xfrm>
-        </p:spPr>
+        <p:spPr/>
         <p:txBody>
           <a:bodyPr/>
           <a:lstStyle/>
           <a:p>
-            <a:r>
-              <a:rPr lang="en-US" dirty="0">
-                <a:solidFill>
-                  <a:schemeClr val="bg1"/>
-                </a:solidFill>
-              </a:rPr>
-              <a:t>While Males had a greater number of collective hours on Space flights and Space Walks, females had a higher average of individual hours compared to number of females who were sent on missions! </a:t>
-            </a:r>
-          </a:p>
-          <a:p>
-            <a:endParaRPr lang="en-US" dirty="0"/>
-          </a:p>
-        </p:txBody>
-      </p:sp>
-      <p:pic>
-        <p:nvPicPr>
-          <p:cNvPr id="4" name="Picture 3">
-            <a:extLst>
-              <a:ext uri="{FF2B5EF4-FFF2-40B4-BE49-F238E27FC236}">
-                <a16:creationId xmlns:a16="http://schemas.microsoft.com/office/drawing/2014/main" id="{946318EE-C287-C750-3DE7-A91F5C13D75E}"/>
-              </a:ext>
-            </a:extLst>
-          </p:cNvPr>
-          <p:cNvPicPr>
-            <a:picLocks noChangeAspect="1"/>
-          </p:cNvPicPr>
-          <p:nvPr/>
-        </p:nvPicPr>
-        <p:blipFill>
-          <a:blip r:embed="rId3"/>
-          <a:stretch>
-            <a:fillRect/>
-          </a:stretch>
-        </p:blipFill>
-        <p:spPr>
-          <a:xfrm>
-            <a:off x="6014273" y="1455263"/>
-            <a:ext cx="3871296" cy="4761389"/>
-          </a:xfrm>
-          <a:prstGeom prst="rect">
-            <a:avLst/>
-          </a:prstGeom>
-        </p:spPr>
-      </p:pic>
+            <a:endParaRPr lang="en-US"/>
+          </a:p>
+        </p:txBody>
+      </p:sp>
     </p:spTree>
     <p:extLst>
       <p:ext uri="{BB962C8B-B14F-4D97-AF65-F5344CB8AC3E}">
-        <p14:creationId xmlns:p14="http://schemas.microsoft.com/office/powerpoint/2010/main" val="676065464"/>
+        <p14:creationId xmlns:p14="http://schemas.microsoft.com/office/powerpoint/2010/main" val="4102225995"/>
       </p:ext>
     </p:extLst>
   </p:cSld>
@@ -6635,545 +6691,6 @@
           <p:cNvPr id="2" name="Title 1">
             <a:extLst>
               <a:ext uri="{FF2B5EF4-FFF2-40B4-BE49-F238E27FC236}">
-                <a16:creationId xmlns:a16="http://schemas.microsoft.com/office/drawing/2014/main" id="{9BF3279E-09D4-483A-A4E3-5FE0FE86C772}"/>
-              </a:ext>
-            </a:extLst>
-          </p:cNvPr>
-          <p:cNvSpPr>
-            <a:spLocks noGrp="1"/>
-          </p:cNvSpPr>
-          <p:nvPr>
-            <p:ph type="title"/>
-          </p:nvPr>
-        </p:nvSpPr>
-        <p:spPr>
-          <a:xfrm>
-            <a:off x="984691" y="-175831"/>
-            <a:ext cx="10134600" cy="1288489"/>
-          </a:xfrm>
-        </p:spPr>
-        <p:txBody>
-          <a:bodyPr/>
-          <a:lstStyle/>
-          <a:p>
-            <a:pPr algn="ctr"/>
-            <a:r>
-              <a:rPr lang="en-US" dirty="0">
-                <a:solidFill>
-                  <a:schemeClr val="bg1"/>
-                </a:solidFill>
-              </a:rPr>
-              <a:t>Results: Exploratory Findings</a:t>
-            </a:r>
-          </a:p>
-        </p:txBody>
-      </p:sp>
-      <p:sp>
-        <p:nvSpPr>
-          <p:cNvPr id="3" name="Content Placeholder 2">
-            <a:extLst>
-              <a:ext uri="{FF2B5EF4-FFF2-40B4-BE49-F238E27FC236}">
-                <a16:creationId xmlns:a16="http://schemas.microsoft.com/office/drawing/2014/main" id="{1FF866EE-AC7E-E97A-9BB1-B8B84D031B80}"/>
-              </a:ext>
-            </a:extLst>
-          </p:cNvPr>
-          <p:cNvSpPr>
-            <a:spLocks noGrp="1"/>
-          </p:cNvSpPr>
-          <p:nvPr>
-            <p:ph idx="1"/>
-          </p:nvPr>
-        </p:nvSpPr>
-        <p:spPr>
-          <a:xfrm>
-            <a:off x="7238797" y="1580012"/>
-            <a:ext cx="4438141" cy="3969342"/>
-          </a:xfrm>
-        </p:spPr>
-        <p:txBody>
-          <a:bodyPr>
-            <a:normAutofit fontScale="85000" lnSpcReduction="10000"/>
-          </a:bodyPr>
-          <a:lstStyle/>
-          <a:p>
-            <a:r>
-              <a:rPr lang="en-US" dirty="0">
-                <a:solidFill>
-                  <a:schemeClr val="bg1"/>
-                </a:solidFill>
-              </a:rPr>
-              <a:t>The US produces the most astronauts with the Soviet Union and Russia producing the second and third most astronauts</a:t>
-            </a:r>
-          </a:p>
-          <a:p>
-            <a:endParaRPr lang="en-US" dirty="0">
-              <a:solidFill>
-                <a:schemeClr val="bg1"/>
-              </a:solidFill>
-            </a:endParaRPr>
-          </a:p>
-          <a:p>
-            <a:r>
-              <a:rPr lang="en-US" dirty="0">
-                <a:solidFill>
-                  <a:schemeClr val="bg1"/>
-                </a:solidFill>
-              </a:rPr>
-              <a:t>We also compared other countries hiring of female astronauts.</a:t>
-            </a:r>
-          </a:p>
-          <a:p>
-            <a:endParaRPr lang="en-US" dirty="0">
-              <a:solidFill>
-                <a:schemeClr val="bg1"/>
-              </a:solidFill>
-            </a:endParaRPr>
-          </a:p>
-          <a:p>
-            <a:r>
-              <a:rPr lang="en-US" dirty="0">
-                <a:solidFill>
-                  <a:schemeClr val="bg1"/>
-                </a:solidFill>
-              </a:rPr>
-              <a:t>Only 9 countries hired both male and female astronauts. </a:t>
-            </a:r>
-          </a:p>
-          <a:p>
-            <a:endParaRPr lang="en-US" dirty="0">
-              <a:solidFill>
-                <a:schemeClr val="bg1"/>
-              </a:solidFill>
-            </a:endParaRPr>
-          </a:p>
-          <a:p>
-            <a:r>
-              <a:rPr lang="en-US" dirty="0">
-                <a:solidFill>
-                  <a:schemeClr val="bg1"/>
-                </a:solidFill>
-              </a:rPr>
-              <a:t>2 countries (Iran and South Korea) only have females representing their countries as astronauts. </a:t>
-            </a:r>
-          </a:p>
-        </p:txBody>
-      </p:sp>
-      <p:pic>
-        <p:nvPicPr>
-          <p:cNvPr id="4" name="Picture 3">
-            <a:extLst>
-              <a:ext uri="{FF2B5EF4-FFF2-40B4-BE49-F238E27FC236}">
-                <a16:creationId xmlns:a16="http://schemas.microsoft.com/office/drawing/2014/main" id="{9013C1C3-518B-5594-0CD7-0E2D360B05B0}"/>
-              </a:ext>
-            </a:extLst>
-          </p:cNvPr>
-          <p:cNvPicPr>
-            <a:picLocks noChangeAspect="1"/>
-          </p:cNvPicPr>
-          <p:nvPr/>
-        </p:nvPicPr>
-        <p:blipFill>
-          <a:blip r:embed="rId3"/>
-          <a:stretch>
-            <a:fillRect/>
-          </a:stretch>
-        </p:blipFill>
-        <p:spPr>
-          <a:xfrm>
-            <a:off x="373832" y="1340679"/>
-            <a:ext cx="6761050" cy="4919898"/>
-          </a:xfrm>
-          <a:prstGeom prst="rect">
-            <a:avLst/>
-          </a:prstGeom>
-        </p:spPr>
-      </p:pic>
-    </p:spTree>
-    <p:extLst>
-      <p:ext uri="{BB962C8B-B14F-4D97-AF65-F5344CB8AC3E}">
-        <p14:creationId xmlns:p14="http://schemas.microsoft.com/office/powerpoint/2010/main" val="2560570133"/>
-      </p:ext>
-    </p:extLst>
-  </p:cSld>
-  <p:clrMapOvr>
-    <a:masterClrMapping/>
-  </p:clrMapOvr>
-</p:sld>
-</file>
-
-<file path=ppt/slides/slide23.xml><?xml version="1.0" encoding="utf-8"?>
-<p:sld xmlns:a="http://schemas.openxmlformats.org/drawingml/2006/main" xmlns:r="http://schemas.openxmlformats.org/officeDocument/2006/relationships" xmlns:p="http://schemas.openxmlformats.org/presentationml/2006/main">
-  <p:cSld>
-    <p:bg>
-      <p:bgPr>
-        <a:blipFill dpi="0" rotWithShape="1">
-          <a:blip r:embed="rId2">
-            <a:lum/>
-          </a:blip>
-          <a:srcRect/>
-          <a:stretch>
-            <a:fillRect t="-17000" b="-17000"/>
-          </a:stretch>
-        </a:blipFill>
-        <a:effectLst/>
-      </p:bgPr>
-    </p:bg>
-    <p:spTree>
-      <p:nvGrpSpPr>
-        <p:cNvPr id="1" name=""/>
-        <p:cNvGrpSpPr/>
-        <p:nvPr/>
-      </p:nvGrpSpPr>
-      <p:grpSpPr>
-        <a:xfrm>
-          <a:off x="0" y="0"/>
-          <a:ext cx="0" cy="0"/>
-          <a:chOff x="0" y="0"/>
-          <a:chExt cx="0" cy="0"/>
-        </a:xfrm>
-      </p:grpSpPr>
-      <p:sp>
-        <p:nvSpPr>
-          <p:cNvPr id="2" name="Title 1">
-            <a:extLst>
-              <a:ext uri="{FF2B5EF4-FFF2-40B4-BE49-F238E27FC236}">
-                <a16:creationId xmlns:a16="http://schemas.microsoft.com/office/drawing/2014/main" id="{DF05D5D9-BBBD-F238-9E5E-1DBA71D9B84D}"/>
-              </a:ext>
-            </a:extLst>
-          </p:cNvPr>
-          <p:cNvSpPr>
-            <a:spLocks noGrp="1"/>
-          </p:cNvSpPr>
-          <p:nvPr>
-            <p:ph type="title"/>
-          </p:nvPr>
-        </p:nvSpPr>
-        <p:spPr/>
-        <p:txBody>
-          <a:bodyPr>
-            <a:normAutofit fontScale="90000"/>
-          </a:bodyPr>
-          <a:lstStyle/>
-          <a:p>
-            <a:pPr algn="ctr"/>
-            <a:r>
-              <a:rPr lang="en-US" sz="2200" dirty="0">
-                <a:solidFill>
-                  <a:schemeClr val="bg1"/>
-                </a:solidFill>
-              </a:rPr>
-              <a:t>When we questioned if the budget had any influence on the hiring of females, we found that it had no significant influence on it at all. </a:t>
-            </a:r>
-            <a:br>
-              <a:rPr lang="en-US" dirty="0"/>
-            </a:br>
-            <a:endParaRPr lang="en-US" dirty="0"/>
-          </a:p>
-        </p:txBody>
-      </p:sp>
-      <p:pic>
-        <p:nvPicPr>
-          <p:cNvPr id="4" name="Content Placeholder 3">
-            <a:extLst>
-              <a:ext uri="{FF2B5EF4-FFF2-40B4-BE49-F238E27FC236}">
-                <a16:creationId xmlns:a16="http://schemas.microsoft.com/office/drawing/2014/main" id="{ED2063F9-B49C-9BB8-65B6-C9B1B490BD63}"/>
-              </a:ext>
-            </a:extLst>
-          </p:cNvPr>
-          <p:cNvPicPr>
-            <a:picLocks noGrp="1" noChangeAspect="1"/>
-          </p:cNvPicPr>
-          <p:nvPr>
-            <p:ph idx="1"/>
-          </p:nvPr>
-        </p:nvPicPr>
-        <p:blipFill>
-          <a:blip r:embed="rId3"/>
-          <a:stretch>
-            <a:fillRect/>
-          </a:stretch>
-        </p:blipFill>
-        <p:spPr>
-          <a:xfrm>
-            <a:off x="1610092" y="2162175"/>
-            <a:ext cx="8971815" cy="3968750"/>
-          </a:xfrm>
-          <a:prstGeom prst="rect">
-            <a:avLst/>
-          </a:prstGeom>
-        </p:spPr>
-      </p:pic>
-    </p:spTree>
-    <p:extLst>
-      <p:ext uri="{BB962C8B-B14F-4D97-AF65-F5344CB8AC3E}">
-        <p14:creationId xmlns:p14="http://schemas.microsoft.com/office/powerpoint/2010/main" val="929452767"/>
-      </p:ext>
-    </p:extLst>
-  </p:cSld>
-  <p:clrMapOvr>
-    <a:masterClrMapping/>
-  </p:clrMapOvr>
-</p:sld>
-</file>
-
-<file path=ppt/slides/slide24.xml><?xml version="1.0" encoding="utf-8"?>
-<p:sld xmlns:a="http://schemas.openxmlformats.org/drawingml/2006/main" xmlns:r="http://schemas.openxmlformats.org/officeDocument/2006/relationships" xmlns:p="http://schemas.openxmlformats.org/presentationml/2006/main">
-  <p:cSld>
-    <p:bg>
-      <p:bgPr>
-        <a:blipFill dpi="0" rotWithShape="1">
-          <a:blip r:embed="rId2">
-            <a:lum/>
-          </a:blip>
-          <a:srcRect/>
-          <a:stretch>
-            <a:fillRect t="-17000" b="-17000"/>
-          </a:stretch>
-        </a:blipFill>
-        <a:effectLst/>
-      </p:bgPr>
-    </p:bg>
-    <p:spTree>
-      <p:nvGrpSpPr>
-        <p:cNvPr id="1" name=""/>
-        <p:cNvGrpSpPr/>
-        <p:nvPr/>
-      </p:nvGrpSpPr>
-      <p:grpSpPr>
-        <a:xfrm>
-          <a:off x="0" y="0"/>
-          <a:ext cx="0" cy="0"/>
-          <a:chOff x="0" y="0"/>
-          <a:chExt cx="0" cy="0"/>
-        </a:xfrm>
-      </p:grpSpPr>
-      <p:sp>
-        <p:nvSpPr>
-          <p:cNvPr id="2" name="Title 1">
-            <a:extLst>
-              <a:ext uri="{FF2B5EF4-FFF2-40B4-BE49-F238E27FC236}">
-                <a16:creationId xmlns:a16="http://schemas.microsoft.com/office/drawing/2014/main" id="{1C4AB8AB-A342-71C3-6504-7FE01EFAE137}"/>
-              </a:ext>
-            </a:extLst>
-          </p:cNvPr>
-          <p:cNvSpPr>
-            <a:spLocks noGrp="1"/>
-          </p:cNvSpPr>
-          <p:nvPr>
-            <p:ph type="title"/>
-          </p:nvPr>
-        </p:nvSpPr>
-        <p:spPr>
-          <a:xfrm>
-            <a:off x="1199844" y="873686"/>
-            <a:ext cx="10134600" cy="1288489"/>
-          </a:xfrm>
-        </p:spPr>
-        <p:txBody>
-          <a:bodyPr>
-            <a:normAutofit fontScale="90000"/>
-          </a:bodyPr>
-          <a:lstStyle/>
-          <a:p>
-            <a:pPr algn="ctr"/>
-            <a:r>
-              <a:rPr lang="en-US" sz="2700" dirty="0">
-                <a:solidFill>
-                  <a:schemeClr val="bg1"/>
-                </a:solidFill>
-              </a:rPr>
-              <a:t>We also questioned if the budget had any influence on the hiring of males, and found that it had no significant influence on hiring practices at all. </a:t>
-            </a:r>
-            <a:br>
-              <a:rPr lang="en-US" dirty="0"/>
-            </a:br>
-            <a:endParaRPr lang="en-US" dirty="0"/>
-          </a:p>
-        </p:txBody>
-      </p:sp>
-      <p:pic>
-        <p:nvPicPr>
-          <p:cNvPr id="4" name="Content Placeholder 3">
-            <a:extLst>
-              <a:ext uri="{FF2B5EF4-FFF2-40B4-BE49-F238E27FC236}">
-                <a16:creationId xmlns:a16="http://schemas.microsoft.com/office/drawing/2014/main" id="{8169F20F-D4A4-9320-CDE6-20FBD988400E}"/>
-              </a:ext>
-            </a:extLst>
-          </p:cNvPr>
-          <p:cNvPicPr>
-            <a:picLocks noGrp="1" noChangeAspect="1"/>
-          </p:cNvPicPr>
-          <p:nvPr>
-            <p:ph idx="1"/>
-          </p:nvPr>
-        </p:nvPicPr>
-        <p:blipFill>
-          <a:blip r:embed="rId3"/>
-          <a:stretch>
-            <a:fillRect/>
-          </a:stretch>
-        </p:blipFill>
-        <p:spPr>
-          <a:xfrm>
-            <a:off x="1634955" y="2162175"/>
-            <a:ext cx="8922090" cy="3968750"/>
-          </a:xfrm>
-          <a:prstGeom prst="rect">
-            <a:avLst/>
-          </a:prstGeom>
-        </p:spPr>
-      </p:pic>
-    </p:spTree>
-    <p:extLst>
-      <p:ext uri="{BB962C8B-B14F-4D97-AF65-F5344CB8AC3E}">
-        <p14:creationId xmlns:p14="http://schemas.microsoft.com/office/powerpoint/2010/main" val="2007040970"/>
-      </p:ext>
-    </p:extLst>
-  </p:cSld>
-  <p:clrMapOvr>
-    <a:masterClrMapping/>
-  </p:clrMapOvr>
-</p:sld>
-</file>
-
-<file path=ppt/slides/slide25.xml><?xml version="1.0" encoding="utf-8"?>
-<p:sld xmlns:a="http://schemas.openxmlformats.org/drawingml/2006/main" xmlns:r="http://schemas.openxmlformats.org/officeDocument/2006/relationships" xmlns:p="http://schemas.openxmlformats.org/presentationml/2006/main">
-  <p:cSld>
-    <p:bg>
-      <p:bgPr>
-        <a:blipFill dpi="0" rotWithShape="1">
-          <a:blip r:embed="rId2">
-            <a:lum/>
-          </a:blip>
-          <a:srcRect/>
-          <a:stretch>
-            <a:fillRect t="-17000" b="-17000"/>
-          </a:stretch>
-        </a:blipFill>
-        <a:effectLst/>
-      </p:bgPr>
-    </p:bg>
-    <p:spTree>
-      <p:nvGrpSpPr>
-        <p:cNvPr id="1" name=""/>
-        <p:cNvGrpSpPr/>
-        <p:nvPr/>
-      </p:nvGrpSpPr>
-      <p:grpSpPr>
-        <a:xfrm>
-          <a:off x="0" y="0"/>
-          <a:ext cx="0" cy="0"/>
-          <a:chOff x="0" y="0"/>
-          <a:chExt cx="0" cy="0"/>
-        </a:xfrm>
-      </p:grpSpPr>
-      <p:sp>
-        <p:nvSpPr>
-          <p:cNvPr id="2" name="Title 1">
-            <a:extLst>
-              <a:ext uri="{FF2B5EF4-FFF2-40B4-BE49-F238E27FC236}">
-                <a16:creationId xmlns:a16="http://schemas.microsoft.com/office/drawing/2014/main" id="{C3A9CF40-2389-AF66-C3DF-670449179B0D}"/>
-              </a:ext>
-            </a:extLst>
-          </p:cNvPr>
-          <p:cNvSpPr>
-            <a:spLocks noGrp="1"/>
-          </p:cNvSpPr>
-          <p:nvPr>
-            <p:ph type="title"/>
-          </p:nvPr>
-        </p:nvSpPr>
-        <p:spPr/>
-        <p:txBody>
-          <a:bodyPr/>
-          <a:lstStyle/>
-          <a:p>
-            <a:pPr algn="ctr"/>
-            <a:r>
-              <a:rPr lang="en-US" dirty="0">
-                <a:solidFill>
-                  <a:schemeClr val="bg1"/>
-                </a:solidFill>
-              </a:rPr>
-              <a:t>Summary/Regroup</a:t>
-            </a:r>
-          </a:p>
-        </p:txBody>
-      </p:sp>
-      <p:sp>
-        <p:nvSpPr>
-          <p:cNvPr id="3" name="Content Placeholder 2">
-            <a:extLst>
-              <a:ext uri="{FF2B5EF4-FFF2-40B4-BE49-F238E27FC236}">
-                <a16:creationId xmlns:a16="http://schemas.microsoft.com/office/drawing/2014/main" id="{E0B9DA3E-595F-D9F7-F487-C328DB636FF1}"/>
-              </a:ext>
-            </a:extLst>
-          </p:cNvPr>
-          <p:cNvSpPr>
-            <a:spLocks noGrp="1"/>
-          </p:cNvSpPr>
-          <p:nvPr>
-            <p:ph idx="1"/>
-          </p:nvPr>
-        </p:nvSpPr>
-        <p:spPr/>
-        <p:txBody>
-          <a:bodyPr/>
-          <a:lstStyle/>
-          <a:p>
-            <a:endParaRPr lang="en-US"/>
-          </a:p>
-        </p:txBody>
-      </p:sp>
-    </p:spTree>
-    <p:extLst>
-      <p:ext uri="{BB962C8B-B14F-4D97-AF65-F5344CB8AC3E}">
-        <p14:creationId xmlns:p14="http://schemas.microsoft.com/office/powerpoint/2010/main" val="4102225995"/>
-      </p:ext>
-    </p:extLst>
-  </p:cSld>
-  <p:clrMapOvr>
-    <a:masterClrMapping/>
-  </p:clrMapOvr>
-</p:sld>
-</file>
-
-<file path=ppt/slides/slide26.xml><?xml version="1.0" encoding="utf-8"?>
-<p:sld xmlns:a="http://schemas.openxmlformats.org/drawingml/2006/main" xmlns:r="http://schemas.openxmlformats.org/officeDocument/2006/relationships" xmlns:p="http://schemas.openxmlformats.org/presentationml/2006/main">
-  <p:cSld>
-    <p:bg>
-      <p:bgPr>
-        <a:blipFill dpi="0" rotWithShape="1">
-          <a:blip r:embed="rId2">
-            <a:lum/>
-          </a:blip>
-          <a:srcRect/>
-          <a:stretch>
-            <a:fillRect t="-17000" b="-17000"/>
-          </a:stretch>
-        </a:blipFill>
-        <a:effectLst/>
-      </p:bgPr>
-    </p:bg>
-    <p:spTree>
-      <p:nvGrpSpPr>
-        <p:cNvPr id="1" name=""/>
-        <p:cNvGrpSpPr/>
-        <p:nvPr/>
-      </p:nvGrpSpPr>
-      <p:grpSpPr>
-        <a:xfrm>
-          <a:off x="0" y="0"/>
-          <a:ext cx="0" cy="0"/>
-          <a:chOff x="0" y="0"/>
-          <a:chExt cx="0" cy="0"/>
-        </a:xfrm>
-      </p:grpSpPr>
-      <p:sp>
-        <p:nvSpPr>
-          <p:cNvPr id="2" name="Title 1">
-            <a:extLst>
-              <a:ext uri="{FF2B5EF4-FFF2-40B4-BE49-F238E27FC236}">
                 <a16:creationId xmlns:a16="http://schemas.microsoft.com/office/drawing/2014/main" id="{F47FA9F6-DC5F-BBB3-EACC-832323D4F2B6}"/>
               </a:ext>
             </a:extLst>
@@ -7292,18 +6809,13 @@
           </a:p>
           <a:p>
             <a:r>
-              <a:rPr lang="en-US">
+              <a:rPr lang="en-US" dirty="0">
                 <a:solidFill>
                   <a:schemeClr val="bg1"/>
                 </a:solidFill>
               </a:rPr>
               <a:t>Overall:</a:t>
             </a:r>
-            <a:endParaRPr lang="en-US" dirty="0">
-              <a:solidFill>
-                <a:schemeClr val="bg1"/>
-              </a:solidFill>
-            </a:endParaRPr>
           </a:p>
           <a:p>
             <a:r>
@@ -7330,7 +6842,7 @@
 </p:sld>
 </file>
 
-<file path=ppt/slides/slide27.xml><?xml version="1.0" encoding="utf-8"?>
+<file path=ppt/slides/slide23.xml><?xml version="1.0" encoding="utf-8"?>
 <p:sld xmlns:a="http://schemas.openxmlformats.org/drawingml/2006/main" xmlns:r="http://schemas.openxmlformats.org/officeDocument/2006/relationships" xmlns:p="http://schemas.openxmlformats.org/presentationml/2006/main">
   <p:cSld>
     <p:bg>
@@ -7530,7 +7042,7 @@
         <p:spPr>
           <a:xfrm>
             <a:off x="3241964" y="2083072"/>
-            <a:ext cx="6239435" cy="369332"/>
+            <a:ext cx="6239435" cy="646331"/>
           </a:xfrm>
           <a:prstGeom prst="rect">
             <a:avLst/>
@@ -7549,7 +7061,17 @@
                   <a:schemeClr val="bg1"/>
                 </a:solidFill>
               </a:rPr>
-              <a:t>BA Elementary Education</a:t>
+              <a:t>BA Elementary Education (University of South Florida)</a:t>
+            </a:r>
+          </a:p>
+          <a:p>
+            <a:r>
+              <a:rPr lang="en-US" dirty="0">
+                <a:solidFill>
+                  <a:schemeClr val="bg1"/>
+                </a:solidFill>
+              </a:rPr>
+              <a:t>Currently employed as a first grade teacher</a:t>
             </a:r>
           </a:p>
         </p:txBody>
@@ -7805,7 +7327,7 @@
         <p:spPr>
           <a:xfrm>
             <a:off x="4292044" y="1949674"/>
-            <a:ext cx="4607464" cy="400110"/>
+            <a:ext cx="4607464" cy="1323439"/>
           </a:xfrm>
           <a:prstGeom prst="rect">
             <a:avLst/>
@@ -7824,7 +7346,17 @@
                   <a:schemeClr val="bg1"/>
                 </a:solidFill>
               </a:rPr>
-              <a:t>BS Music Education</a:t>
+              <a:t>BS Music Education (Elizabeth City State University)</a:t>
+            </a:r>
+          </a:p>
+          <a:p>
+            <a:r>
+              <a:rPr lang="en-US" sz="2000" dirty="0">
+                <a:solidFill>
+                  <a:schemeClr val="bg1"/>
+                </a:solidFill>
+              </a:rPr>
+              <a:t>Currently employed as an Elementary Music Teacher</a:t>
             </a:r>
           </a:p>
         </p:txBody>
